--- a/Introduction Presentation1.2.pptx
+++ b/Introduction Presentation1.2.pptx
@@ -121,6 +121,72 @@
       </a:defRPr>
     </a:lvl9pPr>
   </p:defaultTextStyle>
+  <p:extLst>
+    <p:ext uri="{EFAFB233-063F-42B5-8137-9DF3F51BA10A}">
+      <p15:sldGuideLst xmlns:p15="http://schemas.microsoft.com/office/powerpoint/2012/main">
+        <p15:guide id="1" orient="horz" pos="73">
+          <p15:clr>
+            <a:srgbClr val="A4A3A4"/>
+          </p15:clr>
+        </p15:guide>
+        <p15:guide id="2" orient="horz" pos="4292">
+          <p15:clr>
+            <a:srgbClr val="A4A3A4"/>
+          </p15:clr>
+        </p15:guide>
+        <p15:guide id="3" orient="horz" pos="890">
+          <p15:clr>
+            <a:srgbClr val="A4A3A4"/>
+          </p15:clr>
+        </p15:guide>
+        <p15:guide id="4" orient="horz" pos="164">
+          <p15:clr>
+            <a:srgbClr val="A4A3A4"/>
+          </p15:clr>
+        </p15:guide>
+        <p15:guide id="5" orient="horz" pos="1026">
+          <p15:clr>
+            <a:srgbClr val="A4A3A4"/>
+          </p15:clr>
+        </p15:guide>
+        <p15:guide id="6" orient="horz" pos="3884">
+          <p15:clr>
+            <a:srgbClr val="A4A3A4"/>
+          </p15:clr>
+        </p15:guide>
+        <p15:guide id="7" orient="horz" pos="4020">
+          <p15:clr>
+            <a:srgbClr val="A4A3A4"/>
+          </p15:clr>
+        </p15:guide>
+        <p15:guide id="8" pos="68">
+          <p15:clr>
+            <a:srgbClr val="A4A3A4"/>
+          </p15:clr>
+        </p15:guide>
+        <p15:guide id="9" pos="5692">
+          <p15:clr>
+            <a:srgbClr val="A4A3A4"/>
+          </p15:clr>
+        </p15:guide>
+        <p15:guide id="10" pos="158">
+          <p15:clr>
+            <a:srgbClr val="A4A3A4"/>
+          </p15:clr>
+        </p15:guide>
+        <p15:guide id="11" pos="5103">
+          <p15:clr>
+            <a:srgbClr val="A4A3A4"/>
+          </p15:clr>
+        </p15:guide>
+        <p15:guide id="12" pos="5511">
+          <p15:clr>
+            <a:srgbClr val="A4A3A4"/>
+          </p15:clr>
+        </p15:guide>
+      </p15:sldGuideLst>
+    </p:ext>
+  </p:extLst>
 </p:presentation>
 </file>
 
@@ -206,7 +272,7 @@
           <a:p>
             <a:fld id="{0827DC1B-DC94-4AF8-B6DA-F8BF10B69FE2}" type="datetimeFigureOut">
               <a:rPr lang="en-IN" smtClean="0"/>
-              <a:t>06-04-2022</a:t>
+              <a:t>20-06-2022</a:t>
             </a:fld>
             <a:endParaRPr lang="en-IN"/>
           </a:p>
@@ -270,35 +336,35 @@
           <a:p>
             <a:pPr lvl="0"/>
             <a:r>
-              <a:rPr lang="en-US" smtClean="0"/>
+              <a:rPr lang="en-US"/>
               <a:t>Click to edit Master text styles</a:t>
             </a:r>
           </a:p>
           <a:p>
             <a:pPr lvl="1"/>
             <a:r>
-              <a:rPr lang="en-US" smtClean="0"/>
+              <a:rPr lang="en-US"/>
               <a:t>Second level</a:t>
             </a:r>
           </a:p>
           <a:p>
             <a:pPr lvl="2"/>
             <a:r>
-              <a:rPr lang="en-US" smtClean="0"/>
+              <a:rPr lang="en-US"/>
               <a:t>Third level</a:t>
             </a:r>
           </a:p>
           <a:p>
             <a:pPr lvl="3"/>
             <a:r>
-              <a:rPr lang="en-US" smtClean="0"/>
+              <a:rPr lang="en-US"/>
               <a:t>Fourth level</a:t>
             </a:r>
           </a:p>
           <a:p>
             <a:pPr lvl="4"/>
             <a:r>
-              <a:rPr lang="en-US" smtClean="0"/>
+              <a:rPr lang="en-US"/>
               <a:t>Fifth level</a:t>
             </a:r>
             <a:endParaRPr lang="en-IN"/>
@@ -656,7 +722,7 @@
           </a:lstStyle>
           <a:p>
             <a:r>
-              <a:rPr lang="en-US" dirty="0" smtClean="0"/>
+              <a:rPr lang="en-US" dirty="0"/>
               <a:t>Click to edit Master title style</a:t>
             </a:r>
             <a:endParaRPr lang="en-IN" dirty="0"/>
@@ -773,7 +839,7 @@
           </a:lstStyle>
           <a:p>
             <a:r>
-              <a:rPr lang="en-US" dirty="0" smtClean="0"/>
+              <a:rPr lang="en-US" dirty="0"/>
               <a:t>Click to edit Master subtitle style</a:t>
             </a:r>
             <a:endParaRPr lang="en-IN" dirty="0"/>
@@ -790,13 +856,6 @@
   <p:clrMapOvr>
     <a:masterClrMapping/>
   </p:clrMapOvr>
-  <p:timing>
-    <p:tnLst>
-      <p:par>
-        <p:cTn id="1" dur="indefinite" restart="never" nodeType="tmRoot"/>
-      </p:par>
-    </p:tnLst>
-  </p:timing>
 </p:sldLayout>
 </file>
 
@@ -833,7 +892,7 @@
           <a:lstStyle/>
           <a:p>
             <a:r>
-              <a:rPr lang="en-US" smtClean="0"/>
+              <a:rPr lang="en-US"/>
               <a:t>Click to edit Master title style</a:t>
             </a:r>
             <a:endParaRPr lang="en-IN"/>
@@ -857,35 +916,35 @@
           <a:p>
             <a:pPr lvl="0"/>
             <a:r>
-              <a:rPr lang="en-US" smtClean="0"/>
+              <a:rPr lang="en-US"/>
               <a:t>Click to edit Master text styles</a:t>
             </a:r>
           </a:p>
           <a:p>
             <a:pPr lvl="1"/>
             <a:r>
-              <a:rPr lang="en-US" smtClean="0"/>
+              <a:rPr lang="en-US"/>
               <a:t>Second level</a:t>
             </a:r>
           </a:p>
           <a:p>
             <a:pPr lvl="2"/>
             <a:r>
-              <a:rPr lang="en-US" smtClean="0"/>
+              <a:rPr lang="en-US"/>
               <a:t>Third level</a:t>
             </a:r>
           </a:p>
           <a:p>
             <a:pPr lvl="3"/>
             <a:r>
-              <a:rPr lang="en-US" smtClean="0"/>
+              <a:rPr lang="en-US"/>
               <a:t>Fourth level</a:t>
             </a:r>
           </a:p>
           <a:p>
             <a:pPr lvl="4"/>
             <a:r>
-              <a:rPr lang="en-US" smtClean="0"/>
+              <a:rPr lang="en-US"/>
               <a:t>Fifth level</a:t>
             </a:r>
             <a:endParaRPr lang="en-IN"/>
@@ -927,7 +986,7 @@
           <a:lstStyle/>
           <a:p>
             <a:r>
-              <a:rPr lang="en-IN" dirty="0" smtClean="0"/>
+              <a:rPr lang="en-IN" dirty="0"/>
               <a:t>|  </a:t>
             </a:r>
             <a:fld id="{2A1EC4A3-0FB7-4861-A940-3C3494163F71}" type="slidenum">
@@ -949,13 +1008,6 @@
   <p:clrMapOvr>
     <a:masterClrMapping/>
   </p:clrMapOvr>
-  <p:timing>
-    <p:tnLst>
-      <p:par>
-        <p:cTn id="1" dur="indefinite" restart="never" nodeType="tmRoot"/>
-      </p:par>
-    </p:tnLst>
-  </p:timing>
 </p:sldLayout>
 </file>
 
@@ -997,7 +1049,7 @@
           <a:lstStyle/>
           <a:p>
             <a:r>
-              <a:rPr lang="en-US" smtClean="0"/>
+              <a:rPr lang="en-US"/>
               <a:t>Click to edit Master title style</a:t>
             </a:r>
             <a:endParaRPr lang="en-IN"/>
@@ -1026,35 +1078,35 @@
           <a:p>
             <a:pPr lvl="0"/>
             <a:r>
-              <a:rPr lang="en-US" smtClean="0"/>
+              <a:rPr lang="en-US"/>
               <a:t>Click to edit Master text styles</a:t>
             </a:r>
           </a:p>
           <a:p>
             <a:pPr lvl="1"/>
             <a:r>
-              <a:rPr lang="en-US" smtClean="0"/>
+              <a:rPr lang="en-US"/>
               <a:t>Second level</a:t>
             </a:r>
           </a:p>
           <a:p>
             <a:pPr lvl="2"/>
             <a:r>
-              <a:rPr lang="en-US" smtClean="0"/>
+              <a:rPr lang="en-US"/>
               <a:t>Third level</a:t>
             </a:r>
           </a:p>
           <a:p>
             <a:pPr lvl="3"/>
             <a:r>
-              <a:rPr lang="en-US" smtClean="0"/>
+              <a:rPr lang="en-US"/>
               <a:t>Fourth level</a:t>
             </a:r>
           </a:p>
           <a:p>
             <a:pPr lvl="4"/>
             <a:r>
-              <a:rPr lang="en-US" smtClean="0"/>
+              <a:rPr lang="en-US"/>
               <a:t>Fifth level</a:t>
             </a:r>
             <a:endParaRPr lang="en-IN"/>
@@ -1096,7 +1148,7 @@
           <a:lstStyle/>
           <a:p>
             <a:r>
-              <a:rPr lang="en-IN" dirty="0" smtClean="0"/>
+              <a:rPr lang="en-IN" dirty="0"/>
               <a:t>|  </a:t>
             </a:r>
             <a:fld id="{2A1EC4A3-0FB7-4861-A940-3C3494163F71}" type="slidenum">
@@ -1118,13 +1170,6 @@
   <p:clrMapOvr>
     <a:masterClrMapping/>
   </p:clrMapOvr>
-  <p:timing>
-    <p:tnLst>
-      <p:par>
-        <p:cTn id="1" dur="indefinite" restart="never" nodeType="tmRoot"/>
-      </p:par>
-    </p:tnLst>
-  </p:timing>
 </p:sldLayout>
 </file>
 
@@ -1161,7 +1206,7 @@
           <a:lstStyle/>
           <a:p>
             <a:r>
-              <a:rPr lang="en-US" dirty="0" smtClean="0"/>
+              <a:rPr lang="en-US" dirty="0"/>
               <a:t>Click to edit Master title style</a:t>
             </a:r>
             <a:endParaRPr lang="en-IN" dirty="0"/>
@@ -1185,35 +1230,35 @@
           <a:p>
             <a:pPr lvl="0"/>
             <a:r>
-              <a:rPr lang="en-US" smtClean="0"/>
+              <a:rPr lang="en-US"/>
               <a:t>Click to edit Master text styles</a:t>
             </a:r>
           </a:p>
           <a:p>
             <a:pPr lvl="1"/>
             <a:r>
-              <a:rPr lang="en-US" smtClean="0"/>
+              <a:rPr lang="en-US"/>
               <a:t>Second level</a:t>
             </a:r>
           </a:p>
           <a:p>
             <a:pPr lvl="2"/>
             <a:r>
-              <a:rPr lang="en-US" smtClean="0"/>
+              <a:rPr lang="en-US"/>
               <a:t>Third level</a:t>
             </a:r>
           </a:p>
           <a:p>
             <a:pPr lvl="3"/>
             <a:r>
-              <a:rPr lang="en-US" smtClean="0"/>
+              <a:rPr lang="en-US"/>
               <a:t>Fourth level</a:t>
             </a:r>
           </a:p>
           <a:p>
             <a:pPr lvl="4"/>
             <a:r>
-              <a:rPr lang="en-US" smtClean="0"/>
+              <a:rPr lang="en-US"/>
               <a:t>Fifth level</a:t>
             </a:r>
             <a:endParaRPr lang="en-IN"/>
@@ -1255,7 +1300,7 @@
           <a:lstStyle/>
           <a:p>
             <a:r>
-              <a:rPr lang="en-IN" dirty="0" smtClean="0"/>
+              <a:rPr lang="en-IN" dirty="0"/>
               <a:t>|  </a:t>
             </a:r>
             <a:fld id="{2A1EC4A3-0FB7-4861-A940-3C3494163F71}" type="slidenum">
@@ -1350,13 +1395,6 @@
   <p:clrMapOvr>
     <a:masterClrMapping/>
   </p:clrMapOvr>
-  <p:timing>
-    <p:tnLst>
-      <p:par>
-        <p:cTn id="1" dur="indefinite" restart="never" nodeType="tmRoot"/>
-      </p:par>
-    </p:tnLst>
-  </p:timing>
 </p:sldLayout>
 </file>
 
@@ -1402,7 +1440,7 @@
           </a:lstStyle>
           <a:p>
             <a:r>
-              <a:rPr lang="en-US" smtClean="0"/>
+              <a:rPr lang="en-US"/>
               <a:t>Click to edit Master title style</a:t>
             </a:r>
             <a:endParaRPr lang="en-IN"/>
@@ -1522,7 +1560,7 @@
           <a:p>
             <a:pPr lvl="0"/>
             <a:r>
-              <a:rPr lang="en-US" smtClean="0"/>
+              <a:rPr lang="en-US"/>
               <a:t>Click to edit Master text styles</a:t>
             </a:r>
           </a:p>
@@ -1563,7 +1601,7 @@
           <a:lstStyle/>
           <a:p>
             <a:r>
-              <a:rPr lang="en-IN" dirty="0" smtClean="0"/>
+              <a:rPr lang="en-IN" dirty="0"/>
               <a:t>|  </a:t>
             </a:r>
             <a:fld id="{2A1EC4A3-0FB7-4861-A940-3C3494163F71}" type="slidenum">
@@ -1585,13 +1623,6 @@
   <p:clrMapOvr>
     <a:masterClrMapping/>
   </p:clrMapOvr>
-  <p:timing>
-    <p:tnLst>
-      <p:par>
-        <p:cTn id="1" dur="indefinite" restart="never" nodeType="tmRoot"/>
-      </p:par>
-    </p:tnLst>
-  </p:timing>
 </p:sldLayout>
 </file>
 
@@ -1628,7 +1659,7 @@
           <a:lstStyle/>
           <a:p>
             <a:r>
-              <a:rPr lang="en-US" smtClean="0"/>
+              <a:rPr lang="en-US"/>
               <a:t>Click to edit Master title style</a:t>
             </a:r>
             <a:endParaRPr lang="en-IN"/>
@@ -1685,35 +1716,35 @@
           <a:p>
             <a:pPr lvl="0"/>
             <a:r>
-              <a:rPr lang="en-US" smtClean="0"/>
+              <a:rPr lang="en-US"/>
               <a:t>Click to edit Master text styles</a:t>
             </a:r>
           </a:p>
           <a:p>
             <a:pPr lvl="1"/>
             <a:r>
-              <a:rPr lang="en-US" smtClean="0"/>
+              <a:rPr lang="en-US"/>
               <a:t>Second level</a:t>
             </a:r>
           </a:p>
           <a:p>
             <a:pPr lvl="2"/>
             <a:r>
-              <a:rPr lang="en-US" smtClean="0"/>
+              <a:rPr lang="en-US"/>
               <a:t>Third level</a:t>
             </a:r>
           </a:p>
           <a:p>
             <a:pPr lvl="3"/>
             <a:r>
-              <a:rPr lang="en-US" smtClean="0"/>
+              <a:rPr lang="en-US"/>
               <a:t>Fourth level</a:t>
             </a:r>
           </a:p>
           <a:p>
             <a:pPr lvl="4"/>
             <a:r>
-              <a:rPr lang="en-US" smtClean="0"/>
+              <a:rPr lang="en-US"/>
               <a:t>Fifth level</a:t>
             </a:r>
             <a:endParaRPr lang="en-IN"/>
@@ -1770,35 +1801,35 @@
           <a:p>
             <a:pPr lvl="0"/>
             <a:r>
-              <a:rPr lang="en-US" smtClean="0"/>
+              <a:rPr lang="en-US"/>
               <a:t>Click to edit Master text styles</a:t>
             </a:r>
           </a:p>
           <a:p>
             <a:pPr lvl="1"/>
             <a:r>
-              <a:rPr lang="en-US" smtClean="0"/>
+              <a:rPr lang="en-US"/>
               <a:t>Second level</a:t>
             </a:r>
           </a:p>
           <a:p>
             <a:pPr lvl="2"/>
             <a:r>
-              <a:rPr lang="en-US" smtClean="0"/>
+              <a:rPr lang="en-US"/>
               <a:t>Third level</a:t>
             </a:r>
           </a:p>
           <a:p>
             <a:pPr lvl="3"/>
             <a:r>
-              <a:rPr lang="en-US" smtClean="0"/>
+              <a:rPr lang="en-US"/>
               <a:t>Fourth level</a:t>
             </a:r>
           </a:p>
           <a:p>
             <a:pPr lvl="4"/>
             <a:r>
-              <a:rPr lang="en-US" smtClean="0"/>
+              <a:rPr lang="en-US"/>
               <a:t>Fifth level</a:t>
             </a:r>
             <a:endParaRPr lang="en-IN"/>
@@ -1840,7 +1871,7 @@
           <a:lstStyle/>
           <a:p>
             <a:r>
-              <a:rPr lang="en-IN" dirty="0" smtClean="0"/>
+              <a:rPr lang="en-IN" dirty="0"/>
               <a:t>|  </a:t>
             </a:r>
             <a:fld id="{2A1EC4A3-0FB7-4861-A940-3C3494163F71}" type="slidenum">
@@ -1862,13 +1893,6 @@
   <p:clrMapOvr>
     <a:masterClrMapping/>
   </p:clrMapOvr>
-  <p:timing>
-    <p:tnLst>
-      <p:par>
-        <p:cTn id="1" dur="indefinite" restart="never" nodeType="tmRoot"/>
-      </p:par>
-    </p:tnLst>
-  </p:timing>
 </p:sldLayout>
 </file>
 
@@ -1909,7 +1933,7 @@
           </a:lstStyle>
           <a:p>
             <a:r>
-              <a:rPr lang="en-US" smtClean="0"/>
+              <a:rPr lang="en-US"/>
               <a:t>Click to edit Master title style</a:t>
             </a:r>
             <a:endParaRPr lang="en-IN"/>
@@ -1975,7 +1999,7 @@
           <a:p>
             <a:pPr lvl="0"/>
             <a:r>
-              <a:rPr lang="en-US" smtClean="0"/>
+              <a:rPr lang="en-US"/>
               <a:t>Click to edit Master text styles</a:t>
             </a:r>
           </a:p>
@@ -2031,35 +2055,35 @@
           <a:p>
             <a:pPr lvl="0"/>
             <a:r>
-              <a:rPr lang="en-US" smtClean="0"/>
+              <a:rPr lang="en-US"/>
               <a:t>Click to edit Master text styles</a:t>
             </a:r>
           </a:p>
           <a:p>
             <a:pPr lvl="1"/>
             <a:r>
-              <a:rPr lang="en-US" smtClean="0"/>
+              <a:rPr lang="en-US"/>
               <a:t>Second level</a:t>
             </a:r>
           </a:p>
           <a:p>
             <a:pPr lvl="2"/>
             <a:r>
-              <a:rPr lang="en-US" smtClean="0"/>
+              <a:rPr lang="en-US"/>
               <a:t>Third level</a:t>
             </a:r>
           </a:p>
           <a:p>
             <a:pPr lvl="3"/>
             <a:r>
-              <a:rPr lang="en-US" smtClean="0"/>
+              <a:rPr lang="en-US"/>
               <a:t>Fourth level</a:t>
             </a:r>
           </a:p>
           <a:p>
             <a:pPr lvl="4"/>
             <a:r>
-              <a:rPr lang="en-US" smtClean="0"/>
+              <a:rPr lang="en-US"/>
               <a:t>Fifth level</a:t>
             </a:r>
             <a:endParaRPr lang="en-IN"/>
@@ -2125,7 +2149,7 @@
           <a:p>
             <a:pPr lvl="0"/>
             <a:r>
-              <a:rPr lang="en-US" smtClean="0"/>
+              <a:rPr lang="en-US"/>
               <a:t>Click to edit Master text styles</a:t>
             </a:r>
           </a:p>
@@ -2181,35 +2205,35 @@
           <a:p>
             <a:pPr lvl="0"/>
             <a:r>
-              <a:rPr lang="en-US" smtClean="0"/>
+              <a:rPr lang="en-US"/>
               <a:t>Click to edit Master text styles</a:t>
             </a:r>
           </a:p>
           <a:p>
             <a:pPr lvl="1"/>
             <a:r>
-              <a:rPr lang="en-US" smtClean="0"/>
+              <a:rPr lang="en-US"/>
               <a:t>Second level</a:t>
             </a:r>
           </a:p>
           <a:p>
             <a:pPr lvl="2"/>
             <a:r>
-              <a:rPr lang="en-US" smtClean="0"/>
+              <a:rPr lang="en-US"/>
               <a:t>Third level</a:t>
             </a:r>
           </a:p>
           <a:p>
             <a:pPr lvl="3"/>
             <a:r>
-              <a:rPr lang="en-US" smtClean="0"/>
+              <a:rPr lang="en-US"/>
               <a:t>Fourth level</a:t>
             </a:r>
           </a:p>
           <a:p>
             <a:pPr lvl="4"/>
             <a:r>
-              <a:rPr lang="en-US" smtClean="0"/>
+              <a:rPr lang="en-US"/>
               <a:t>Fifth level</a:t>
             </a:r>
             <a:endParaRPr lang="en-IN"/>
@@ -2251,7 +2275,7 @@
           <a:lstStyle/>
           <a:p>
             <a:r>
-              <a:rPr lang="en-IN" dirty="0" smtClean="0"/>
+              <a:rPr lang="en-IN" dirty="0"/>
               <a:t>|  </a:t>
             </a:r>
             <a:fld id="{2A1EC4A3-0FB7-4861-A940-3C3494163F71}" type="slidenum">
@@ -2273,13 +2297,6 @@
   <p:clrMapOvr>
     <a:masterClrMapping/>
   </p:clrMapOvr>
-  <p:timing>
-    <p:tnLst>
-      <p:par>
-        <p:cTn id="1" dur="indefinite" restart="never" nodeType="tmRoot"/>
-      </p:par>
-    </p:tnLst>
-  </p:timing>
 </p:sldLayout>
 </file>
 
@@ -2316,7 +2333,7 @@
           <a:lstStyle/>
           <a:p>
             <a:r>
-              <a:rPr lang="en-US" smtClean="0"/>
+              <a:rPr lang="en-US"/>
               <a:t>Click to edit Master title style</a:t>
             </a:r>
             <a:endParaRPr lang="en-IN"/>
@@ -2358,7 +2375,7 @@
           <a:lstStyle/>
           <a:p>
             <a:r>
-              <a:rPr lang="en-IN" dirty="0" smtClean="0"/>
+              <a:rPr lang="en-IN" dirty="0"/>
               <a:t>|  </a:t>
             </a:r>
             <a:fld id="{2A1EC4A3-0FB7-4861-A940-3C3494163F71}" type="slidenum">
@@ -2380,13 +2397,6 @@
   <p:clrMapOvr>
     <a:masterClrMapping/>
   </p:clrMapOvr>
-  <p:timing>
-    <p:tnLst>
-      <p:par>
-        <p:cTn id="1" dur="indefinite" restart="never" nodeType="tmRoot"/>
-      </p:par>
-    </p:tnLst>
-  </p:timing>
 </p:sldLayout>
 </file>
 
@@ -2442,7 +2452,7 @@
           <a:lstStyle/>
           <a:p>
             <a:r>
-              <a:rPr lang="en-IN" dirty="0" smtClean="0"/>
+              <a:rPr lang="en-IN" dirty="0"/>
               <a:t>|  </a:t>
             </a:r>
             <a:fld id="{2A1EC4A3-0FB7-4861-A940-3C3494163F71}" type="slidenum">
@@ -2464,13 +2474,6 @@
   <p:clrMapOvr>
     <a:masterClrMapping/>
   </p:clrMapOvr>
-  <p:timing>
-    <p:tnLst>
-      <p:par>
-        <p:cTn id="1" dur="indefinite" restart="never" nodeType="tmRoot"/>
-      </p:par>
-    </p:tnLst>
-  </p:timing>
 </p:sldLayout>
 </file>
 
@@ -2516,7 +2519,7 @@
           </a:lstStyle>
           <a:p>
             <a:r>
-              <a:rPr lang="en-US" smtClean="0"/>
+              <a:rPr lang="en-US"/>
               <a:t>Click to edit Master title style</a:t>
             </a:r>
             <a:endParaRPr lang="en-IN"/>
@@ -2573,35 +2576,35 @@
           <a:p>
             <a:pPr lvl="0"/>
             <a:r>
-              <a:rPr lang="en-US" smtClean="0"/>
+              <a:rPr lang="en-US"/>
               <a:t>Click to edit Master text styles</a:t>
             </a:r>
           </a:p>
           <a:p>
             <a:pPr lvl="1"/>
             <a:r>
-              <a:rPr lang="en-US" smtClean="0"/>
+              <a:rPr lang="en-US"/>
               <a:t>Second level</a:t>
             </a:r>
           </a:p>
           <a:p>
             <a:pPr lvl="2"/>
             <a:r>
-              <a:rPr lang="en-US" smtClean="0"/>
+              <a:rPr lang="en-US"/>
               <a:t>Third level</a:t>
             </a:r>
           </a:p>
           <a:p>
             <a:pPr lvl="3"/>
             <a:r>
-              <a:rPr lang="en-US" smtClean="0"/>
+              <a:rPr lang="en-US"/>
               <a:t>Fourth level</a:t>
             </a:r>
           </a:p>
           <a:p>
             <a:pPr lvl="4"/>
             <a:r>
-              <a:rPr lang="en-US" smtClean="0"/>
+              <a:rPr lang="en-US"/>
               <a:t>Fifth level</a:t>
             </a:r>
             <a:endParaRPr lang="en-IN"/>
@@ -2667,7 +2670,7 @@
           <a:p>
             <a:pPr lvl="0"/>
             <a:r>
-              <a:rPr lang="en-US" smtClean="0"/>
+              <a:rPr lang="en-US"/>
               <a:t>Click to edit Master text styles</a:t>
             </a:r>
           </a:p>
@@ -2708,7 +2711,7 @@
           <a:lstStyle/>
           <a:p>
             <a:r>
-              <a:rPr lang="en-IN" dirty="0" smtClean="0"/>
+              <a:rPr lang="en-IN" dirty="0"/>
               <a:t>|  </a:t>
             </a:r>
             <a:fld id="{2A1EC4A3-0FB7-4861-A940-3C3494163F71}" type="slidenum">
@@ -2730,13 +2733,6 @@
   <p:clrMapOvr>
     <a:masterClrMapping/>
   </p:clrMapOvr>
-  <p:timing>
-    <p:tnLst>
-      <p:par>
-        <p:cTn id="1" dur="indefinite" restart="never" nodeType="tmRoot"/>
-      </p:par>
-    </p:tnLst>
-  </p:timing>
 </p:sldLayout>
 </file>
 
@@ -2782,7 +2778,7 @@
           </a:lstStyle>
           <a:p>
             <a:r>
-              <a:rPr lang="en-US" smtClean="0"/>
+              <a:rPr lang="en-US"/>
               <a:t>Click to edit Master title style</a:t>
             </a:r>
             <a:endParaRPr lang="en-IN"/>
@@ -2909,7 +2905,7 @@
           <a:p>
             <a:pPr lvl="0"/>
             <a:r>
-              <a:rPr lang="en-US" smtClean="0"/>
+              <a:rPr lang="en-US"/>
               <a:t>Click to edit Master text styles</a:t>
             </a:r>
           </a:p>
@@ -2950,7 +2946,7 @@
           <a:lstStyle/>
           <a:p>
             <a:r>
-              <a:rPr lang="en-IN" dirty="0" smtClean="0"/>
+              <a:rPr lang="en-IN" dirty="0"/>
               <a:t>|  </a:t>
             </a:r>
             <a:fld id="{2A1EC4A3-0FB7-4861-A940-3C3494163F71}" type="slidenum">
@@ -2972,13 +2968,6 @@
   <p:clrMapOvr>
     <a:masterClrMapping/>
   </p:clrMapOvr>
-  <p:timing>
-    <p:tnLst>
-      <p:par>
-        <p:cTn id="1" dur="indefinite" restart="never" nodeType="tmRoot"/>
-      </p:par>
-    </p:tnLst>
-  </p:timing>
 </p:sldLayout>
 </file>
 
@@ -3164,7 +3153,7 @@
           <a:lstStyle/>
           <a:p>
             <a:r>
-              <a:rPr lang="en-US" dirty="0" smtClean="0"/>
+              <a:rPr lang="en-US" dirty="0"/>
               <a:t>Click to edit Master title style</a:t>
             </a:r>
             <a:endParaRPr lang="en-IN" dirty="0"/>
@@ -3198,35 +3187,35 @@
           <a:p>
             <a:pPr lvl="0"/>
             <a:r>
-              <a:rPr lang="en-US" dirty="0" smtClean="0"/>
+              <a:rPr lang="en-US" dirty="0"/>
               <a:t>Click to edit Master text styles</a:t>
             </a:r>
           </a:p>
           <a:p>
             <a:pPr lvl="1"/>
             <a:r>
-              <a:rPr lang="en-US" dirty="0" smtClean="0"/>
+              <a:rPr lang="en-US" dirty="0"/>
               <a:t>Second level</a:t>
             </a:r>
           </a:p>
           <a:p>
             <a:pPr lvl="2"/>
             <a:r>
-              <a:rPr lang="en-US" dirty="0" smtClean="0"/>
+              <a:rPr lang="en-US" dirty="0"/>
               <a:t>Third level</a:t>
             </a:r>
           </a:p>
           <a:p>
             <a:pPr lvl="3"/>
             <a:r>
-              <a:rPr lang="en-US" dirty="0" smtClean="0"/>
+              <a:rPr lang="en-US" dirty="0"/>
               <a:t>Fourth level</a:t>
             </a:r>
           </a:p>
           <a:p>
             <a:pPr lvl="4"/>
             <a:r>
-              <a:rPr lang="en-US" dirty="0" smtClean="0"/>
+              <a:rPr lang="en-US" dirty="0"/>
               <a:t>Fifth level</a:t>
             </a:r>
             <a:endParaRPr lang="en-IN" dirty="0"/>
@@ -3304,7 +3293,7 @@
           </a:lstStyle>
           <a:p>
             <a:r>
-              <a:rPr lang="en-IN" dirty="0" smtClean="0"/>
+              <a:rPr lang="en-IN" dirty="0"/>
               <a:t>|  </a:t>
             </a:r>
             <a:fld id="{2A1EC4A3-0FB7-4861-A940-3C3494163F71}" type="slidenum">
@@ -3421,13 +3410,6 @@
     <p:sldLayoutId id="2147483658" r:id="rId10"/>
     <p:sldLayoutId id="2147483659" r:id="rId11"/>
   </p:sldLayoutIdLst>
-  <p:timing>
-    <p:tnLst>
-      <p:par>
-        <p:cTn id="1" dur="indefinite" restart="never" nodeType="tmRoot"/>
-      </p:par>
-    </p:tnLst>
-  </p:timing>
   <p:hf sldNum="0" hdr="0" ftr="0" dt="0"/>
   <p:txStyles>
     <p:titleStyle>
@@ -3709,44 +3691,45 @@
             <p:ph type="ctrTitle"/>
           </p:nvPr>
         </p:nvSpPr>
-        <p:spPr/>
+        <p:spPr>
+          <a:xfrm>
+            <a:off x="323528" y="692696"/>
+            <a:ext cx="8208912" cy="2520280"/>
+          </a:xfrm>
+          <a:solidFill>
+            <a:schemeClr val="accent1"/>
+          </a:solidFill>
+          <a:ln>
+            <a:solidFill>
+              <a:schemeClr val="accent1"/>
+            </a:solidFill>
+          </a:ln>
+        </p:spPr>
         <p:txBody>
           <a:bodyPr/>
           <a:lstStyle/>
           <a:p>
             <a:r>
-              <a:rPr lang="en-IN" sz="2600" dirty="0" smtClean="0">
+              <a:rPr lang="en-IN" sz="2600" dirty="0">
                 <a:latin typeface="+mn-lt"/>
               </a:rPr>
               <a:t>Introducing you to</a:t>
             </a:r>
-            <a:r>
-              <a:rPr lang="en-IN" sz="1050" dirty="0"/>
-              <a:t/>
-            </a:r>
             <a:br>
               <a:rPr lang="en-IN" sz="1050" dirty="0"/>
             </a:br>
-            <a:r>
-              <a:rPr lang="en-IN" sz="1050" dirty="0" smtClean="0"/>
-              <a:t/>
-            </a:r>
             <a:br>
-              <a:rPr lang="en-IN" sz="1050" dirty="0" smtClean="0"/>
+              <a:rPr lang="en-IN" sz="1050" dirty="0"/>
             </a:br>
             <a:r>
-              <a:rPr lang="en-IN" sz="6600" u="sng" dirty="0" smtClean="0"/>
+              <a:rPr lang="en-IN" sz="6600" u="sng" dirty="0"/>
               <a:t>RAPID CARS</a:t>
-            </a:r>
-            <a:r>
-              <a:rPr lang="en-IN" sz="4400" dirty="0"/>
-              <a:t/>
             </a:r>
             <a:br>
               <a:rPr lang="en-IN" sz="4400" dirty="0"/>
             </a:br>
             <a:r>
-              <a:rPr lang="en-IN" sz="3200" dirty="0" smtClean="0">
+              <a:rPr lang="en-IN" sz="3200" dirty="0">
                 <a:latin typeface="+mn-lt"/>
               </a:rPr>
               <a:t>Easy Book and Comfortable Ride</a:t>
@@ -3769,53 +3752,56 @@
         </p:nvSpPr>
         <p:spPr>
           <a:xfrm>
-            <a:off x="899592" y="3789040"/>
-            <a:ext cx="7128792" cy="1728192"/>
-          </a:xfrm>
+            <a:off x="899592" y="3645025"/>
+            <a:ext cx="7128792" cy="1944215"/>
+          </a:xfrm>
+          <a:solidFill>
+            <a:schemeClr val="accent1"/>
+          </a:solidFill>
         </p:spPr>
         <p:txBody>
           <a:bodyPr anchor="t">
-            <a:normAutofit fontScale="47500" lnSpcReduction="20000"/>
+            <a:normAutofit fontScale="55000" lnSpcReduction="20000"/>
           </a:bodyPr>
           <a:lstStyle/>
           <a:p>
             <a:pPr algn="l"/>
             <a:r>
-              <a:rPr lang="en-IN" sz="7600" dirty="0" smtClean="0"/>
+              <a:rPr lang="en-IN" sz="7600" dirty="0"/>
               <a:t>Made By:</a:t>
             </a:r>
-            <a:endParaRPr lang="en-IN" sz="2400" dirty="0" smtClean="0"/>
-          </a:p>
-          <a:p>
-            <a:r>
-              <a:rPr lang="en-IN" sz="5000" dirty="0" err="1" smtClean="0"/>
+            <a:endParaRPr lang="en-IN" sz="2400" dirty="0"/>
+          </a:p>
+          <a:p>
+            <a:r>
+              <a:rPr lang="en-IN" sz="5000" dirty="0" err="1"/>
               <a:t>Sayanish</a:t>
             </a:r>
             <a:r>
-              <a:rPr lang="en-IN" sz="5000" dirty="0" smtClean="0"/>
+              <a:rPr lang="en-IN" sz="5000" dirty="0"/>
               <a:t> Chakraborty</a:t>
             </a:r>
           </a:p>
           <a:p>
             <a:r>
-              <a:rPr lang="en-IN" sz="5000" dirty="0" err="1" smtClean="0"/>
+              <a:rPr lang="en-IN" sz="5000" dirty="0" err="1"/>
               <a:t>Divyesh</a:t>
             </a:r>
             <a:r>
-              <a:rPr lang="en-IN" sz="5000" dirty="0" smtClean="0"/>
+              <a:rPr lang="en-IN" sz="5000" dirty="0"/>
               <a:t> Patel</a:t>
             </a:r>
           </a:p>
           <a:p>
             <a:r>
-              <a:rPr lang="en-IN" sz="5000" dirty="0" err="1" smtClean="0"/>
+              <a:rPr lang="en-IN" sz="5000" dirty="0" err="1"/>
               <a:t>Bharg</a:t>
             </a:r>
             <a:r>
-              <a:rPr lang="en-IN" sz="5000" dirty="0" smtClean="0"/>
+              <a:rPr lang="en-IN" sz="5000" dirty="0"/>
               <a:t> Trivedi</a:t>
             </a:r>
-            <a:endParaRPr lang="en-IN" sz="4500" dirty="0" smtClean="0"/>
+            <a:endParaRPr lang="en-IN" sz="4500" dirty="0"/>
           </a:p>
         </p:txBody>
       </p:sp>
@@ -3829,13 +3815,6 @@
   <p:clrMapOvr>
     <a:masterClrMapping/>
   </p:clrMapOvr>
-  <p:timing>
-    <p:tnLst>
-      <p:par>
-        <p:cTn id="1" dur="indefinite" restart="never" nodeType="tmRoot"/>
-      </p:par>
-    </p:tnLst>
-  </p:timing>
 </p:sld>
 </file>
 
@@ -3965,13 +3944,6 @@
   <p:clrMapOvr>
     <a:masterClrMapping/>
   </p:clrMapOvr>
-  <p:timing>
-    <p:tnLst>
-      <p:par>
-        <p:cTn id="1" dur="indefinite" restart="never" nodeType="tmRoot"/>
-      </p:par>
-    </p:tnLst>
-  </p:timing>
 </p:sld>
 </file>
 
@@ -4013,10 +3985,9 @@
           <a:lstStyle/>
           <a:p>
             <a:r>
-              <a:rPr lang="en-IN" sz="4800" dirty="0" smtClean="0"/>
+              <a:rPr lang="en-IN" sz="4800" dirty="0"/>
               <a:t>Benefits</a:t>
             </a:r>
-            <a:endParaRPr lang="en-IN" sz="4800" dirty="0"/>
           </a:p>
         </p:txBody>
       </p:sp>
@@ -4046,11 +4017,7 @@
             </a:pPr>
             <a:r>
               <a:rPr lang="en-IN" sz="2000" b="1" dirty="0"/>
-              <a:t>Automatic Fare </a:t>
-            </a:r>
-            <a:r>
-              <a:rPr lang="en-IN" sz="2000" b="1" dirty="0" smtClean="0"/>
-              <a:t>Calculation</a:t>
+              <a:t>Automatic Fare Calculation</a:t>
             </a:r>
           </a:p>
           <a:p>
@@ -4059,12 +4026,8 @@
               <a:buChar char="o"/>
             </a:pPr>
             <a:r>
-              <a:rPr lang="en-IN" sz="1800" dirty="0" smtClean="0"/>
-              <a:t>Based </a:t>
-            </a:r>
-            <a:r>
               <a:rPr lang="en-IN" sz="1800" dirty="0"/>
-              <a:t>on the date, time, and vehicle type, the online car rental software program automatically calculates and provides the fare to customers.</a:t>
+              <a:t>Based on the date, time, and vehicle type, the online car rental software program automatically calculates and provides the fare to customers.</a:t>
             </a:r>
             <a:endParaRPr lang="en-IN" sz="2400" dirty="0"/>
           </a:p>
@@ -4075,11 +4038,7 @@
             </a:pPr>
             <a:r>
               <a:rPr lang="en-IN" sz="2000" b="1" dirty="0"/>
-              <a:t>Easy and Instant Booking </a:t>
-            </a:r>
-            <a:r>
-              <a:rPr lang="en-IN" sz="2000" b="1" dirty="0" smtClean="0"/>
-              <a:t>System</a:t>
+              <a:t>Easy and Instant Booking System</a:t>
             </a:r>
           </a:p>
           <a:p>
@@ -4088,14 +4047,9 @@
               <a:buChar char="o"/>
             </a:pPr>
             <a:r>
-              <a:rPr lang="en-IN" sz="1800" dirty="0" smtClean="0"/>
-              <a:t>Given </a:t>
-            </a:r>
-            <a:r>
               <a:rPr lang="en-IN" sz="1800" dirty="0"/>
-              <a:t>that most people book online, it is true that mobile technology enhances the booking and software experience for customers. As a result of implementing a car rental booking system, your potential customers will be able to book a car from any location and at any time.</a:t>
-            </a:r>
-            <a:endParaRPr lang="en-IN" sz="1800" dirty="0" smtClean="0"/>
+              <a:t>Given that most people book online, it is true that mobile technology enhances the booking and software experience for customers. As a result of implementing a car rental booking system, your potential customers will be able to book a car from any location and at any time.</a:t>
+            </a:r>
           </a:p>
           <a:p>
             <a:pPr algn="just">
@@ -4104,11 +4058,7 @@
             </a:pPr>
             <a:r>
               <a:rPr lang="en-IN" sz="2000" b="1" dirty="0"/>
-              <a:t>Round the Clock </a:t>
-            </a:r>
-            <a:r>
-              <a:rPr lang="en-IN" sz="2000" b="1" dirty="0" smtClean="0"/>
-              <a:t>Availability</a:t>
+              <a:t>Round the Clock Availability</a:t>
             </a:r>
           </a:p>
           <a:p>
@@ -4117,20 +4067,8 @@
               <a:buChar char="o"/>
             </a:pPr>
             <a:r>
-              <a:rPr lang="en-IN" sz="1600" dirty="0" smtClean="0"/>
-              <a:t>One </a:t>
-            </a:r>
-            <a:r>
               <a:rPr lang="en-IN" sz="1600" dirty="0"/>
-              <a:t>of the greatest benefits of </a:t>
-            </a:r>
-            <a:r>
-              <a:rPr lang="en-IN" sz="1600" dirty="0" smtClean="0"/>
-              <a:t>this </a:t>
-            </a:r>
-            <a:r>
-              <a:rPr lang="en-IN" sz="1600" dirty="0"/>
-              <a:t>system is its availability 24 hours a day, 7 days a week.</a:t>
+              <a:t>One of the greatest benefits of this system is its availability 24 hours a day, 7 days a week.</a:t>
             </a:r>
           </a:p>
           <a:p>
@@ -4138,7 +4076,7 @@
               <a:buFont typeface="Wingdings" panose="05000000000000000000" pitchFamily="2" charset="2"/>
               <a:buChar char="Ø"/>
             </a:pPr>
-            <a:endParaRPr lang="en-IN" sz="2400" dirty="0" smtClean="0"/>
+            <a:endParaRPr lang="en-IN" sz="2400" dirty="0"/>
           </a:p>
         </p:txBody>
       </p:sp>
@@ -4152,13 +4090,6 @@
   <p:clrMapOvr>
     <a:masterClrMapping/>
   </p:clrMapOvr>
-  <p:timing>
-    <p:tnLst>
-      <p:par>
-        <p:cTn id="1" dur="indefinite" restart="never" nodeType="tmRoot"/>
-      </p:par>
-    </p:tnLst>
-  </p:timing>
 </p:sld>
 </file>
 
@@ -4233,7 +4164,7 @@
               <a:buFont typeface="Wingdings" panose="05000000000000000000" pitchFamily="2" charset="2"/>
               <a:buChar char="Ø"/>
             </a:pPr>
-            <a:endParaRPr lang="en-IN" sz="2200" b="1" dirty="0" smtClean="0"/>
+            <a:endParaRPr lang="en-IN" sz="2200" b="1" dirty="0"/>
           </a:p>
           <a:p>
             <a:pPr marL="342900" lvl="1" indent="-342900" algn="just">
@@ -4241,16 +4172,8 @@
               <a:buChar char="Ø"/>
             </a:pPr>
             <a:r>
-              <a:rPr lang="en-IN" sz="2200" b="1" dirty="0" smtClean="0"/>
-              <a:t>Knowing </a:t>
-            </a:r>
-            <a:r>
               <a:rPr lang="en-IN" sz="2200" b="1" dirty="0"/>
-              <a:t>Fleet </a:t>
-            </a:r>
-            <a:r>
-              <a:rPr lang="en-IN" sz="2200" b="1" dirty="0" smtClean="0"/>
-              <a:t>Status</a:t>
+              <a:t>Knowing Fleet Status</a:t>
             </a:r>
           </a:p>
           <a:p>
@@ -4259,23 +4182,15 @@
               <a:buChar char="o"/>
             </a:pPr>
             <a:r>
-              <a:rPr lang="en-IN" sz="1900" dirty="0" smtClean="0"/>
-              <a:t>Helps </a:t>
-            </a:r>
-            <a:r>
               <a:rPr lang="en-IN" sz="1900" dirty="0"/>
-              <a:t>car rental companies get fleet information such as bookings, agreements, and amazingly </a:t>
-            </a:r>
-            <a:r>
-              <a:rPr lang="en-IN" sz="1900" dirty="0" smtClean="0"/>
-              <a:t>more.</a:t>
+              <a:t>Helps car rental companies get fleet information such as bookings, agreements, and amazingly more.</a:t>
             </a:r>
           </a:p>
           <a:p>
             <a:pPr marL="333375" lvl="2" indent="0" algn="just">
               <a:buNone/>
             </a:pPr>
-            <a:endParaRPr lang="en-IN" sz="1800" dirty="0" smtClean="0"/>
+            <a:endParaRPr lang="en-IN" sz="1800" dirty="0"/>
           </a:p>
           <a:p>
             <a:pPr marL="333375" lvl="2" indent="0" algn="just">
@@ -4290,11 +4205,7 @@
             </a:pPr>
             <a:r>
               <a:rPr lang="en-IN" sz="2200" b="1" dirty="0"/>
-              <a:t>Manages Bookings and </a:t>
-            </a:r>
-            <a:r>
-              <a:rPr lang="en-IN" sz="2200" b="1" dirty="0" smtClean="0"/>
-              <a:t>Pricing</a:t>
+              <a:t>Manages Bookings and Pricing</a:t>
             </a:r>
           </a:p>
           <a:p>
@@ -4302,7 +4213,7 @@
               <a:buFont typeface="Wingdings" panose="05000000000000000000" pitchFamily="2" charset="2"/>
               <a:buChar char="Ø"/>
             </a:pPr>
-            <a:endParaRPr lang="en-IN" sz="2200" b="1" dirty="0" smtClean="0"/>
+            <a:endParaRPr lang="en-IN" sz="2200" b="1" dirty="0"/>
           </a:p>
           <a:p>
             <a:pPr marL="0" lvl="1" indent="0" algn="just">
@@ -4317,11 +4228,7 @@
             </a:pPr>
             <a:r>
               <a:rPr lang="en-IN" sz="2200" b="1" dirty="0"/>
-              <a:t>Vehicle </a:t>
-            </a:r>
-            <a:r>
-              <a:rPr lang="en-IN" sz="2200" b="1" dirty="0" smtClean="0"/>
-              <a:t>Management</a:t>
+              <a:t>Vehicle Management</a:t>
             </a:r>
           </a:p>
           <a:p>
@@ -4330,27 +4237,15 @@
               <a:buChar char="o"/>
             </a:pPr>
             <a:r>
-              <a:rPr lang="en-IN" sz="1900" dirty="0" smtClean="0"/>
-              <a:t>A </a:t>
-            </a:r>
-            <a:r>
               <a:rPr lang="en-IN" sz="1900" dirty="0"/>
-              <a:t>complete Car Rental Software package includes detailed listing of car </a:t>
-            </a:r>
-            <a:r>
-              <a:rPr lang="en-IN" sz="1900" dirty="0" smtClean="0"/>
-              <a:t>information, </a:t>
-            </a:r>
-            <a:r>
-              <a:rPr lang="en-IN" sz="1900" dirty="0"/>
-              <a:t>their management, travel history information, and other features. </a:t>
+              <a:t>A complete Car Rental Software package includes detailed listing of car information, their management, travel history information, and other features. </a:t>
             </a:r>
           </a:p>
           <a:p>
             <a:pPr marL="333375" lvl="2" indent="0" algn="just">
               <a:buNone/>
             </a:pPr>
-            <a:endParaRPr lang="en-IN" sz="1800" dirty="0" smtClean="0"/>
+            <a:endParaRPr lang="en-IN" sz="1800" dirty="0"/>
           </a:p>
         </p:txBody>
       </p:sp>
@@ -4364,13 +4259,6 @@
   <p:clrMapOvr>
     <a:masterClrMapping/>
   </p:clrMapOvr>
-  <p:timing>
-    <p:tnLst>
-      <p:par>
-        <p:cTn id="1" dur="indefinite" restart="never" nodeType="tmRoot"/>
-      </p:par>
-    </p:tnLst>
-  </p:timing>
 </p:sld>
 </file>
 
@@ -4412,10 +4300,9 @@
           <a:lstStyle/>
           <a:p>
             <a:r>
-              <a:rPr lang="en-IN" sz="5200" dirty="0" smtClean="0"/>
+              <a:rPr lang="en-IN" sz="5200" dirty="0"/>
               <a:t>Way Ahead…</a:t>
             </a:r>
-            <a:endParaRPr lang="en-IN" sz="5200" dirty="0"/>
           </a:p>
         </p:txBody>
       </p:sp>
@@ -4487,13 +4374,6 @@
   <p:clrMapOvr>
     <a:masterClrMapping/>
   </p:clrMapOvr>
-  <p:timing>
-    <p:tnLst>
-      <p:par>
-        <p:cTn id="1" dur="indefinite" restart="never" nodeType="tmRoot"/>
-      </p:par>
-    </p:tnLst>
-  </p:timing>
 </p:sld>
 </file>
 
@@ -4530,7 +4410,7 @@
           <a:lstStyle/>
           <a:p>
             <a:r>
-              <a:rPr lang="en-IN" sz="4800" dirty="0" smtClean="0"/>
+              <a:rPr lang="en-IN" sz="4800" dirty="0"/>
               <a:t>  </a:t>
             </a:r>
             <a:r>
@@ -4586,23 +4466,22 @@
               <a:rPr lang="en-US" sz="1600" dirty="0"/>
               <a:t> </a:t>
             </a:r>
-            <a:endParaRPr lang="en-US" sz="1600" dirty="0" smtClean="0"/>
           </a:p>
           <a:p>
             <a:pPr marL="1522413" lvl="1" indent="0" algn="just">
               <a:buNone/>
             </a:pPr>
             <a:r>
-              <a:rPr lang="en-US" sz="2000" u="sng" dirty="0" smtClean="0">
+              <a:rPr lang="en-US" sz="2000" u="sng" dirty="0">
                 <a:hlinkClick r:id="rId2"/>
               </a:rPr>
               <a:t>https://www.w3schools.com/js/</a:t>
             </a:r>
             <a:r>
-              <a:rPr lang="en-US" sz="2000" dirty="0" smtClean="0"/>
+              <a:rPr lang="en-US" sz="2000" dirty="0"/>
               <a:t>.</a:t>
             </a:r>
-            <a:endParaRPr lang="en-IN" sz="2000" dirty="0" smtClean="0"/>
+            <a:endParaRPr lang="en-IN" sz="2000" dirty="0"/>
           </a:p>
           <a:p>
             <a:pPr marL="804863" lvl="1" indent="-347663" algn="just">
@@ -4610,16 +4489,8 @@
               <a:buChar char="ü"/>
             </a:pPr>
             <a:r>
-              <a:rPr lang="en-US" sz="2000" dirty="0" smtClean="0"/>
-              <a:t>Programming</a:t>
-            </a:r>
-            <a:r>
               <a:rPr lang="en-US" sz="2000" dirty="0"/>
-              <a:t>. React JS - React Tutorial for Beginners. YouTube, 29 Jan </a:t>
-            </a:r>
-            <a:r>
-              <a:rPr lang="en-US" sz="2000" dirty="0" smtClean="0"/>
-              <a:t>2022</a:t>
+              <a:t>Programming. React JS - React Tutorial for Beginners. YouTube, 29 Jan 2022</a:t>
             </a:r>
             <a:endParaRPr lang="en-IN" sz="2000" dirty="0"/>
           </a:p>
@@ -4627,17 +4498,11 @@
             <a:pPr marL="1522413" lvl="1" indent="0" algn="just">
               <a:buNone/>
             </a:pPr>
-            <a:r>
-              <a:rPr lang="en-US" sz="2000" u="sng" dirty="0" smtClean="0">
-                <a:hlinkClick r:id="rId3"/>
-              </a:rPr>
-              <a:t>https</a:t>
-            </a:r>
             <a:r>
               <a:rPr lang="en-US" sz="2000" u="sng" dirty="0">
                 <a:hlinkClick r:id="rId3"/>
               </a:rPr>
-              <a:t>://www.youtube.com/watch?v=Ke90Tje7VS0</a:t>
+              <a:t>https://www.youtube.com/watch?v=Ke90Tje7VS0</a:t>
             </a:r>
             <a:r>
               <a:rPr lang="en-US" sz="2000" dirty="0"/>
@@ -4652,28 +4517,18 @@
             </a:pPr>
             <a:r>
               <a:rPr lang="en-US" sz="2000" dirty="0"/>
-              <a:t>“What Is MongoDB Atlas? — MongoDB Atlas, 14 Feb </a:t>
-            </a:r>
-            <a:r>
-              <a:rPr lang="en-US" sz="2000" dirty="0" smtClean="0"/>
-              <a:t>2022</a:t>
+              <a:t>“What Is MongoDB Atlas? — MongoDB Atlas, 14 Feb 2022</a:t>
             </a:r>
           </a:p>
           <a:p>
             <a:pPr marL="1535113" lvl="1" indent="0" algn="just">
               <a:buNone/>
             </a:pPr>
-            <a:r>
-              <a:rPr lang="en-US" sz="2000" u="sng" dirty="0" smtClean="0">
-                <a:hlinkClick r:id="rId4"/>
-              </a:rPr>
-              <a:t>https</a:t>
-            </a:r>
             <a:r>
               <a:rPr lang="en-US" sz="2000" u="sng" dirty="0">
                 <a:hlinkClick r:id="rId4"/>
               </a:rPr>
-              <a:t>://docs.atlas.mongodb.com/</a:t>
+              <a:t>https://docs.atlas.mongodb.com/</a:t>
             </a:r>
             <a:r>
               <a:rPr lang="en-US" sz="2000" dirty="0"/>
@@ -4687,16 +4542,8 @@
               <a:buChar char="ü"/>
             </a:pPr>
             <a:r>
-              <a:rPr lang="en-US" sz="2000" dirty="0" smtClean="0"/>
-              <a:t>“</a:t>
-            </a:r>
-            <a:r>
               <a:rPr lang="en-US" sz="2000" dirty="0"/>
-              <a:t>Self Drive Car Rentals | Rent a Car | Car Hire @ Zoomcar.” Zoomcar - India, 20 Jan </a:t>
-            </a:r>
-            <a:r>
-              <a:rPr lang="en-US" sz="2000" dirty="0" smtClean="0"/>
-              <a:t>2022</a:t>
+              <a:t>“Self Drive Car Rentals | Rent a Car | Car Hire @ Zoomcar.” Zoomcar - India, 20 Jan 2022</a:t>
             </a:r>
             <a:endParaRPr lang="en-IN" sz="2000" dirty="0"/>
           </a:p>
@@ -4704,17 +4551,11 @@
             <a:pPr marL="1535113" lvl="1" indent="0" algn="just">
               <a:buNone/>
             </a:pPr>
-            <a:r>
-              <a:rPr lang="en-US" sz="2000" u="sng" dirty="0" smtClean="0">
-                <a:hlinkClick r:id="rId5"/>
-              </a:rPr>
-              <a:t>https</a:t>
-            </a:r>
             <a:r>
               <a:rPr lang="en-US" sz="2000" u="sng" dirty="0">
                 <a:hlinkClick r:id="rId5"/>
               </a:rPr>
-              <a:t>://www.zoomcar.com/</a:t>
+              <a:t>https://www.zoomcar.com/</a:t>
             </a:r>
             <a:r>
               <a:rPr lang="en-US" sz="2000" dirty="0"/>
@@ -4741,13 +4582,6 @@
   <p:clrMapOvr>
     <a:masterClrMapping/>
   </p:clrMapOvr>
-  <p:timing>
-    <p:tnLst>
-      <p:par>
-        <p:cTn id="1" dur="indefinite" restart="never" nodeType="tmRoot"/>
-      </p:par>
-    </p:tnLst>
-  </p:timing>
 </p:sld>
 </file>
 
@@ -4782,27 +4616,9 @@
           <a:prstGeom prst="rect">
             <a:avLst/>
           </a:prstGeom>
-          <a:gradFill flip="none" rotWithShape="1">
-            <a:gsLst>
-              <a:gs pos="0">
-                <a:schemeClr val="accent1">
-                  <a:alpha val="70000"/>
-                </a:schemeClr>
-              </a:gs>
-              <a:gs pos="41000">
-                <a:srgbClr val="FF0000"/>
-              </a:gs>
-              <a:gs pos="100000">
-                <a:schemeClr val="accent1">
-                  <a:alpha val="70000"/>
-                </a:schemeClr>
-              </a:gs>
-            </a:gsLst>
-            <a:path path="circle">
-              <a:fillToRect l="100000" t="100000"/>
-            </a:path>
-            <a:tileRect r="-100000" b="-100000"/>
-          </a:gradFill>
+          <a:solidFill>
+            <a:schemeClr val="accent1"/>
+          </a:solidFill>
           <a:ln>
             <a:noFill/>
           </a:ln>
@@ -4868,8 +4684,8 @@
         </p:blipFill>
         <p:spPr>
           <a:xfrm>
-            <a:off x="755576" y="2312876"/>
-            <a:ext cx="7344816" cy="2016224"/>
+            <a:off x="899592" y="2486165"/>
+            <a:ext cx="6869225" cy="1885670"/>
           </a:xfrm>
           <a:prstGeom prst="rect">
             <a:avLst/>
@@ -4886,13 +4702,6 @@
   <p:clrMapOvr>
     <a:masterClrMapping/>
   </p:clrMapOvr>
-  <p:timing>
-    <p:tnLst>
-      <p:par>
-        <p:cTn id="1" dur="indefinite" restart="never" nodeType="tmRoot"/>
-      </p:par>
-    </p:tnLst>
-  </p:timing>
 </p:sld>
 </file>
 
@@ -4929,11 +4738,11 @@
           <a:lstStyle/>
           <a:p>
             <a:r>
-              <a:rPr lang="en-IN" dirty="0" smtClean="0"/>
+              <a:rPr lang="en-IN" dirty="0"/>
               <a:t>  </a:t>
             </a:r>
             <a:r>
-              <a:rPr lang="en-IN" sz="5400" dirty="0" smtClean="0"/>
+              <a:rPr lang="en-IN" sz="5400" dirty="0"/>
               <a:t>Trigger</a:t>
             </a:r>
             <a:endParaRPr lang="en-IN" dirty="0"/>
@@ -4967,7 +4776,7 @@
               <a:buChar char="Ø"/>
             </a:pPr>
             <a:r>
-              <a:rPr lang="en-IN" sz="2000" dirty="0" smtClean="0"/>
+              <a:rPr lang="en-IN" sz="2000" dirty="0"/>
               <a:t>There are millions of people travelling across thousands of places in a single hour of a day for different purposes over long distances.</a:t>
             </a:r>
           </a:p>
@@ -4977,48 +4786,8 @@
               <a:buChar char="Ø"/>
             </a:pPr>
             <a:r>
-              <a:rPr lang="en-IN" sz="2000" dirty="0" smtClean="0"/>
-              <a:t>And in </a:t>
-            </a:r>
-            <a:r>
               <a:rPr lang="en-IN" sz="2000" dirty="0"/>
-              <a:t>present system all booking </a:t>
-            </a:r>
-            <a:r>
-              <a:rPr lang="en-IN" sz="2000" dirty="0" smtClean="0"/>
-              <a:t>works are done </a:t>
-            </a:r>
-            <a:r>
-              <a:rPr lang="en-IN" sz="2000" dirty="0"/>
-              <a:t>manually and it </a:t>
-            </a:r>
-            <a:r>
-              <a:rPr lang="en-IN" sz="2000" dirty="0" smtClean="0"/>
-              <a:t>is </a:t>
-            </a:r>
-            <a:r>
-              <a:rPr lang="en-IN" sz="2000" dirty="0"/>
-              <a:t>very </a:t>
-            </a:r>
-            <a:r>
-              <a:rPr lang="en-IN" sz="2000" dirty="0" smtClean="0"/>
-              <a:t>difficult </a:t>
-            </a:r>
-            <a:r>
-              <a:rPr lang="en-IN" sz="2000" dirty="0"/>
-              <a:t>to maintain the information of booking </a:t>
-            </a:r>
-            <a:r>
-              <a:rPr lang="en-IN" sz="2000" dirty="0" smtClean="0"/>
-              <a:t>and also it makes difficult to find vehicle </a:t>
-            </a:r>
-            <a:r>
-              <a:rPr lang="en-IN" sz="2000" dirty="0"/>
-              <a:t>available for </a:t>
-            </a:r>
-            <a:r>
-              <a:rPr lang="en-IN" sz="2000" dirty="0" smtClean="0"/>
-              <a:t>booking.</a:t>
+              <a:t>And in present system all booking works are done manually and it is very difficult to maintain the information of booking and also it makes difficult to find vehicle available for booking.</a:t>
             </a:r>
           </a:p>
           <a:p>
@@ -5027,7 +4796,7 @@
               <a:buChar char="Ø"/>
             </a:pPr>
             <a:r>
-              <a:rPr lang="en-IN" sz="2000" b="1" dirty="0" smtClean="0"/>
+              <a:rPr lang="en-IN" sz="2000" b="1" dirty="0"/>
               <a:t>Our RAPID CARS :-</a:t>
             </a:r>
           </a:p>
@@ -5037,18 +4806,13 @@
               <a:buChar char="o"/>
             </a:pPr>
             <a:r>
-              <a:rPr lang="en-IN" sz="2000" dirty="0" smtClean="0"/>
-              <a:t>provides </a:t>
-            </a:r>
-            <a:r>
               <a:rPr lang="en-IN" sz="2000" dirty="0"/>
-              <a:t>a complete solution to all your day-to-day car booking office running needs</a:t>
+              <a:t>provides a complete solution to all your day-to-day car booking office running needs</a:t>
             </a:r>
             <a:r>
               <a:rPr lang="en-IN" sz="1600" dirty="0"/>
               <a:t>. </a:t>
             </a:r>
-            <a:endParaRPr lang="en-IN" sz="1600" dirty="0" smtClean="0"/>
           </a:p>
           <a:p>
             <a:pPr marL="1201738" lvl="1" indent="-422275" algn="just">
@@ -5056,16 +4820,8 @@
               <a:buChar char="o"/>
             </a:pPr>
             <a:r>
-              <a:rPr lang="en-IN" sz="2000" dirty="0" smtClean="0"/>
-              <a:t>Can book cars </a:t>
-            </a:r>
-            <a:r>
               <a:rPr lang="en-IN" sz="2000" dirty="0"/>
-              <a:t>instantly </a:t>
-            </a:r>
-            <a:r>
-              <a:rPr lang="en-IN" sz="2000" dirty="0" smtClean="0"/>
-              <a:t>and with great ease from your nearest location.</a:t>
+              <a:t>Can book cars instantly and with great ease from your nearest location.</a:t>
             </a:r>
           </a:p>
           <a:p>
@@ -5074,10 +4830,9 @@
               <a:buChar char="o"/>
             </a:pPr>
             <a:r>
-              <a:rPr lang="en-IN" sz="2000" dirty="0" smtClean="0"/>
+              <a:rPr lang="en-IN" sz="2000" dirty="0"/>
               <a:t>The User-Friendly environment and potential of running on any device, helps customer to choose their quality drive to their desire Destinations.</a:t>
             </a:r>
-            <a:endParaRPr lang="en-IN" sz="2000" dirty="0"/>
           </a:p>
         </p:txBody>
       </p:sp>
@@ -5091,13 +4846,6 @@
   <p:clrMapOvr>
     <a:masterClrMapping/>
   </p:clrMapOvr>
-  <p:timing>
-    <p:tnLst>
-      <p:par>
-        <p:cTn id="1" dur="indefinite" restart="never" nodeType="tmRoot"/>
-      </p:par>
-    </p:tnLst>
-  </p:timing>
 </p:sld>
 </file>
 
@@ -5173,12 +4921,8 @@
               <a:buChar char="Ø"/>
             </a:pPr>
             <a:r>
-              <a:rPr lang="en-US" b="1" u="dash" dirty="0" smtClean="0"/>
-              <a:t>Tools</a:t>
-            </a:r>
-            <a:r>
               <a:rPr lang="en-US" b="1" u="dash" dirty="0"/>
-              <a:t>:</a:t>
+              <a:t>Tools:</a:t>
             </a:r>
             <a:endParaRPr lang="en-IN" b="1" u="sng" dirty="0"/>
           </a:p>
@@ -5211,11 +4955,7 @@
             </a:pPr>
             <a:r>
               <a:rPr lang="en-US" sz="2400" dirty="0"/>
-              <a:t>Git and </a:t>
-            </a:r>
-            <a:r>
-              <a:rPr lang="en-US" sz="2400" dirty="0" smtClean="0"/>
-              <a:t>GitHub</a:t>
+              <a:t>Git and GitHub</a:t>
             </a:r>
           </a:p>
           <a:p>
@@ -5412,10 +5152,10 @@
               <a:buChar char="Ø"/>
             </a:pPr>
             <a:r>
-              <a:rPr lang="en-US" b="1" u="dash" dirty="0" smtClean="0"/>
+              <a:rPr lang="en-US" b="1" u="dash" dirty="0"/>
               <a:t>Technologies: </a:t>
             </a:r>
-            <a:endParaRPr lang="en-IN" sz="1800" dirty="0" smtClean="0"/>
+            <a:endParaRPr lang="en-IN" sz="1800" dirty="0"/>
           </a:p>
           <a:p>
             <a:pPr marL="804863" lvl="1" indent="-279400">
@@ -5423,10 +5163,10 @@
               <a:buChar char="ü"/>
             </a:pPr>
             <a:r>
-              <a:rPr lang="en-US" dirty="0" smtClean="0"/>
+              <a:rPr lang="en-US" dirty="0"/>
               <a:t>React</a:t>
             </a:r>
-            <a:endParaRPr lang="en-IN" sz="1400" dirty="0" smtClean="0"/>
+            <a:endParaRPr lang="en-IN" sz="1400" dirty="0"/>
           </a:p>
           <a:p>
             <a:pPr marL="804863" lvl="1" indent="-279400">
@@ -5434,10 +5174,10 @@
               <a:buChar char="ü"/>
             </a:pPr>
             <a:r>
-              <a:rPr lang="en-US" dirty="0" smtClean="0"/>
+              <a:rPr lang="en-US" dirty="0"/>
               <a:t>Node.js</a:t>
             </a:r>
-            <a:endParaRPr lang="en-IN" sz="1400" dirty="0" smtClean="0"/>
+            <a:endParaRPr lang="en-IN" sz="1400" dirty="0"/>
           </a:p>
           <a:p>
             <a:pPr marL="804863" lvl="1" indent="-279400">
@@ -5445,10 +5185,10 @@
               <a:buChar char="ü"/>
             </a:pPr>
             <a:r>
-              <a:rPr lang="en-US" dirty="0" smtClean="0"/>
+              <a:rPr lang="en-US" dirty="0"/>
               <a:t>MongoDB</a:t>
             </a:r>
-            <a:endParaRPr lang="en-IN" sz="1400" dirty="0" smtClean="0"/>
+            <a:endParaRPr lang="en-IN" sz="1400" dirty="0"/>
           </a:p>
           <a:p>
             <a:pPr marL="804863" lvl="1" indent="-279400">
@@ -5456,10 +5196,10 @@
               <a:buChar char="ü"/>
             </a:pPr>
             <a:r>
-              <a:rPr lang="en-US" dirty="0" smtClean="0"/>
+              <a:rPr lang="en-US" dirty="0"/>
               <a:t>Bootstrap</a:t>
             </a:r>
-            <a:endParaRPr lang="en-IN" sz="1400" dirty="0" smtClean="0"/>
+            <a:endParaRPr lang="en-IN" sz="1400" dirty="0"/>
           </a:p>
           <a:p>
             <a:pPr marL="804863" lvl="1" indent="-279400">
@@ -5467,10 +5207,10 @@
               <a:buChar char="ü"/>
             </a:pPr>
             <a:r>
-              <a:rPr lang="en-US" dirty="0" smtClean="0"/>
+              <a:rPr lang="en-US" dirty="0"/>
               <a:t>HTML </a:t>
             </a:r>
-            <a:endParaRPr lang="en-IN" sz="1400" dirty="0" smtClean="0"/>
+            <a:endParaRPr lang="en-IN" sz="1400" dirty="0"/>
           </a:p>
           <a:p>
             <a:pPr marL="804863" lvl="1" indent="-279400">
@@ -5478,10 +5218,10 @@
               <a:buChar char="ü"/>
             </a:pPr>
             <a:r>
-              <a:rPr lang="en-US" dirty="0" smtClean="0"/>
+              <a:rPr lang="en-US" dirty="0"/>
               <a:t>CSS</a:t>
             </a:r>
-            <a:endParaRPr lang="en-IN" sz="1400" dirty="0" smtClean="0"/>
+            <a:endParaRPr lang="en-IN" sz="1400" dirty="0"/>
           </a:p>
         </p:txBody>
       </p:sp>
@@ -5495,13 +5235,6 @@
   <p:clrMapOvr>
     <a:masterClrMapping/>
   </p:clrMapOvr>
-  <p:timing>
-    <p:tnLst>
-      <p:par>
-        <p:cTn id="1" dur="indefinite" restart="never" nodeType="tmRoot"/>
-      </p:par>
-    </p:tnLst>
-  </p:timing>
 </p:sld>
 </file>
 
@@ -5543,18 +5276,17 @@
           <a:lstStyle/>
           <a:p>
             <a:r>
-              <a:rPr lang="en-IN" dirty="0" smtClean="0"/>
+              <a:rPr lang="en-IN" dirty="0"/>
               <a:t>  </a:t>
             </a:r>
             <a:r>
-              <a:rPr lang="en-IN" sz="5400" dirty="0" smtClean="0"/>
+              <a:rPr lang="en-IN" sz="5400" dirty="0"/>
               <a:t>Flowchart</a:t>
             </a:r>
             <a:r>
-              <a:rPr lang="en-IN" dirty="0" smtClean="0"/>
+              <a:rPr lang="en-IN" dirty="0"/>
               <a:t> </a:t>
             </a:r>
-            <a:endParaRPr lang="en-IN" dirty="0"/>
           </a:p>
         </p:txBody>
       </p:sp>
@@ -5597,13 +5329,6 @@
   <p:clrMapOvr>
     <a:masterClrMapping/>
   </p:clrMapOvr>
-  <p:timing>
-    <p:tnLst>
-      <p:par>
-        <p:cTn id="1" dur="indefinite" restart="never" nodeType="tmRoot"/>
-      </p:par>
-    </p:tnLst>
-  </p:timing>
 </p:sld>
 </file>
 
@@ -5645,14 +5370,9 @@
           <a:lstStyle/>
           <a:p>
             <a:r>
-              <a:rPr lang="en-IN" sz="4800" dirty="0" smtClean="0"/>
-              <a:t>Main Functions for User</a:t>
-            </a:r>
-            <a:r>
-              <a:rPr lang="en-IN" sz="4800" dirty="0" smtClean="0"/>
-              <a:t>  </a:t>
-            </a:r>
-            <a:endParaRPr lang="en-IN" sz="4800" dirty="0"/>
+              <a:rPr lang="en-IN" sz="4800" dirty="0"/>
+              <a:t>Main Functions for User  </a:t>
+            </a:r>
           </a:p>
         </p:txBody>
       </p:sp>
@@ -5683,10 +5403,9 @@
               <a:buChar char="Ø"/>
             </a:pPr>
             <a:r>
-              <a:rPr lang="en-IN" sz="2400" b="1" dirty="0" smtClean="0"/>
+              <a:rPr lang="en-IN" sz="2400" b="1" dirty="0"/>
               <a:t>Sign up</a:t>
             </a:r>
-            <a:endParaRPr lang="en-IN" sz="2400" b="1" dirty="0"/>
           </a:p>
           <a:p>
             <a:pPr marL="723900" indent="-273050" algn="just">
@@ -5694,12 +5413,8 @@
               <a:buChar char="o"/>
             </a:pPr>
             <a:r>
-              <a:rPr lang="en-IN" sz="2000" dirty="0" smtClean="0"/>
-              <a:t>Parameters</a:t>
-            </a:r>
-            <a:r>
               <a:rPr lang="en-IN" sz="2000" dirty="0"/>
-              <a:t>: user email, username, mobile no, password.</a:t>
+              <a:t>Parameters: user email, username, mobile no, password.</a:t>
             </a:r>
           </a:p>
           <a:p>
@@ -5708,28 +5423,8 @@
               <a:buChar char="o"/>
             </a:pPr>
             <a:r>
-              <a:rPr lang="en-IN" sz="2000" dirty="0" smtClean="0"/>
-              <a:t>Description</a:t>
-            </a:r>
-            <a:r>
               <a:rPr lang="en-IN" sz="2000" dirty="0"/>
-              <a:t>: </a:t>
-            </a:r>
-            <a:r>
-              <a:rPr lang="en-IN" sz="2000" dirty="0" smtClean="0"/>
-              <a:t>User </a:t>
-            </a:r>
-            <a:r>
-              <a:rPr lang="en-IN" sz="2000" dirty="0"/>
-              <a:t>data save in the </a:t>
-            </a:r>
-            <a:r>
-              <a:rPr lang="en-IN" sz="2000" dirty="0" smtClean="0"/>
-              <a:t>User Database</a:t>
-            </a:r>
-            <a:r>
-              <a:rPr lang="en-IN" sz="2000" dirty="0"/>
-              <a:t>.</a:t>
+              <a:t>Description: User data save in the User Database.</a:t>
             </a:r>
           </a:p>
           <a:p>
@@ -5738,10 +5433,9 @@
               <a:buChar char="Ø"/>
             </a:pPr>
             <a:r>
-              <a:rPr lang="en-IN" sz="2400" b="1" dirty="0" smtClean="0"/>
+              <a:rPr lang="en-IN" sz="2400" b="1" dirty="0"/>
               <a:t>Login</a:t>
             </a:r>
-            <a:endParaRPr lang="en-IN" sz="2400" b="1" dirty="0"/>
           </a:p>
           <a:p>
             <a:pPr lvl="1" algn="just">
@@ -5759,26 +5453,9 @@
               <a:buChar char="o"/>
             </a:pPr>
             <a:r>
-              <a:rPr lang="en-IN" sz="2000" dirty="0" smtClean="0"/>
-              <a:t>Description</a:t>
-            </a:r>
-            <a:r>
               <a:rPr lang="en-IN" sz="2000" dirty="0"/>
-              <a:t>: </a:t>
-            </a:r>
-            <a:r>
-              <a:rPr lang="en-IN" sz="2000" dirty="0" smtClean="0"/>
-              <a:t>User </a:t>
-            </a:r>
-            <a:r>
-              <a:rPr lang="en-IN" sz="2000" dirty="0"/>
-              <a:t>authenticated then logged in</a:t>
-            </a:r>
-            <a:r>
-              <a:rPr lang="en-IN" sz="2000" dirty="0" smtClean="0"/>
-              <a:t>.</a:t>
-            </a:r>
-            <a:endParaRPr lang="en-IN" sz="2000" dirty="0"/>
+              <a:t>Description: User authenticated then logged in.</a:t>
+            </a:r>
           </a:p>
           <a:p>
             <a:pPr algn="just">
@@ -5787,11 +5464,7 @@
             </a:pPr>
             <a:r>
               <a:rPr lang="en-IN" sz="2400" b="1" dirty="0"/>
-              <a:t>Sort and </a:t>
-            </a:r>
-            <a:r>
-              <a:rPr lang="en-IN" sz="2400" b="1" dirty="0" smtClean="0"/>
-              <a:t>Filter Car</a:t>
+              <a:t>Sort and Filter Car</a:t>
             </a:r>
             <a:endParaRPr lang="en-IN" sz="2000" b="1" dirty="0"/>
           </a:p>
@@ -5801,18 +5474,9 @@
               <a:buChar char="o"/>
             </a:pPr>
             <a:r>
-              <a:rPr lang="en-IN" sz="2000" dirty="0" smtClean="0"/>
-              <a:t>Parameters</a:t>
-            </a:r>
-            <a:r>
               <a:rPr lang="en-IN" sz="2000" dirty="0"/>
-              <a:t>: c</a:t>
-            </a:r>
-            <a:r>
-              <a:rPr lang="en-IN" sz="2000" dirty="0" smtClean="0"/>
-              <a:t>ar data</a:t>
-            </a:r>
-            <a:endParaRPr lang="en-IN" sz="2000" dirty="0"/>
+              <a:t>Parameters: car data</a:t>
+            </a:r>
           </a:p>
           <a:p>
             <a:pPr lvl="1" algn="just">
@@ -5821,24 +5485,15 @@
             </a:pPr>
             <a:r>
               <a:rPr lang="en-IN" sz="2000" dirty="0"/>
-              <a:t>Description: </a:t>
-            </a:r>
-            <a:r>
-              <a:rPr lang="en-IN" sz="2000" dirty="0" smtClean="0"/>
-              <a:t>Cars </a:t>
-            </a:r>
-            <a:r>
-              <a:rPr lang="en-IN" sz="2000" dirty="0"/>
-              <a:t>are shown on the booking page according to user-selected choice.</a:t>
-            </a:r>
-            <a:endParaRPr lang="en-IN" sz="2000" dirty="0" smtClean="0"/>
+              <a:t>Description: Cars are shown on the booking page according to user-selected choice.</a:t>
+            </a:r>
           </a:p>
           <a:p>
             <a:pPr algn="just">
               <a:buFont typeface="Wingdings" panose="05000000000000000000" pitchFamily="2" charset="2"/>
               <a:buChar char="Ø"/>
             </a:pPr>
-            <a:endParaRPr lang="en-IN" sz="2400" dirty="0" smtClean="0"/>
+            <a:endParaRPr lang="en-IN" sz="2400" dirty="0"/>
           </a:p>
         </p:txBody>
       </p:sp>
@@ -5852,13 +5507,6 @@
   <p:clrMapOvr>
     <a:masterClrMapping/>
   </p:clrMapOvr>
-  <p:timing>
-    <p:tnLst>
-      <p:par>
-        <p:cTn id="1" dur="indefinite" restart="never" nodeType="tmRoot"/>
-      </p:par>
-    </p:tnLst>
-  </p:timing>
 </p:sld>
 </file>
 
@@ -5900,14 +5548,9 @@
           <a:lstStyle/>
           <a:p>
             <a:r>
-              <a:rPr lang="en-IN" sz="4800" dirty="0" smtClean="0"/>
-              <a:t>Main Functions for User</a:t>
-            </a:r>
-            <a:r>
-              <a:rPr lang="en-IN" sz="4800" dirty="0" smtClean="0"/>
-              <a:t>  </a:t>
-            </a:r>
-            <a:endParaRPr lang="en-IN" sz="4800" dirty="0"/>
+              <a:rPr lang="en-IN" sz="4800" dirty="0"/>
+              <a:t>Main Functions for User  </a:t>
+            </a:r>
           </a:p>
         </p:txBody>
       </p:sp>
@@ -5938,10 +5581,9 @@
               <a:buChar char="Ø"/>
             </a:pPr>
             <a:r>
-              <a:rPr lang="en-IN" sz="2400" b="1" dirty="0" smtClean="0"/>
+              <a:rPr lang="en-IN" sz="2400" b="1" dirty="0"/>
               <a:t>Boking</a:t>
             </a:r>
-            <a:endParaRPr lang="en-IN" sz="2400" b="1" dirty="0"/>
           </a:p>
           <a:p>
             <a:pPr marL="725488" indent="-274638" algn="just">
@@ -5949,12 +5591,8 @@
               <a:buChar char="o"/>
             </a:pPr>
             <a:r>
-              <a:rPr lang="en-IN" sz="2000" dirty="0" smtClean="0"/>
-              <a:t>Parameters: </a:t>
-            </a:r>
-            <a:r>
               <a:rPr lang="en-IN" sz="2000" dirty="0"/>
-              <a:t>location, date-time, user id, car id</a:t>
+              <a:t>Parameters: location, date-time, user id, car id</a:t>
             </a:r>
           </a:p>
           <a:p>
@@ -5963,34 +5601,9 @@
               <a:buChar char="o"/>
             </a:pPr>
             <a:r>
-              <a:rPr lang="en-IN" sz="2000" dirty="0" smtClean="0"/>
-              <a:t>Description</a:t>
-            </a:r>
-            <a:r>
               <a:rPr lang="en-IN" sz="2000" dirty="0"/>
-              <a:t>: </a:t>
-            </a:r>
-            <a:r>
-              <a:rPr lang="en-IN" sz="2000" dirty="0" smtClean="0"/>
-              <a:t>User </a:t>
-            </a:r>
-            <a:r>
-              <a:rPr lang="en-IN" sz="2000" dirty="0"/>
-              <a:t>booked car will be shown on my booking </a:t>
-            </a:r>
-            <a:r>
-              <a:rPr lang="en-IN" sz="2000" dirty="0" smtClean="0"/>
-              <a:t>page with other </a:t>
-            </a:r>
-            <a:r>
-              <a:rPr lang="en-IN" sz="2000" dirty="0"/>
-              <a:t>details</a:t>
-            </a:r>
-            <a:r>
-              <a:rPr lang="en-IN" sz="2000" dirty="0" smtClean="0"/>
-              <a:t>.</a:t>
-            </a:r>
-            <a:endParaRPr lang="en-IN" sz="2000" dirty="0"/>
+              <a:t>Description: User booked car will be shown on my booking page with other details.</a:t>
+            </a:r>
           </a:p>
           <a:p>
             <a:pPr algn="just">
@@ -5998,10 +5611,9 @@
               <a:buChar char="Ø"/>
             </a:pPr>
             <a:r>
-              <a:rPr lang="en-IN" sz="2400" b="1" dirty="0" smtClean="0"/>
+              <a:rPr lang="en-IN" sz="2400" b="1" dirty="0"/>
               <a:t>Cancel booking</a:t>
             </a:r>
-            <a:endParaRPr lang="en-IN" sz="2400" b="1" dirty="0"/>
           </a:p>
           <a:p>
             <a:pPr marL="806450" algn="just">
@@ -6019,24 +5631,8 @@
               <a:buChar char="o"/>
             </a:pPr>
             <a:r>
-              <a:rPr lang="en-IN" sz="2000" dirty="0" smtClean="0"/>
-              <a:t>Description</a:t>
-            </a:r>
-            <a:r>
               <a:rPr lang="en-IN" sz="2000" dirty="0"/>
-              <a:t>: </a:t>
-            </a:r>
-            <a:r>
-              <a:rPr lang="en-IN" sz="2000" dirty="0" smtClean="0"/>
-              <a:t>User can </a:t>
-            </a:r>
-            <a:r>
-              <a:rPr lang="en-IN" sz="2000" dirty="0"/>
-              <a:t>cancel the </a:t>
-            </a:r>
-            <a:r>
-              <a:rPr lang="en-IN" sz="2000" dirty="0" smtClean="0"/>
-              <a:t>booking.</a:t>
+              <a:t>Description: User can cancel the booking.</a:t>
             </a:r>
           </a:p>
           <a:p>
@@ -6045,10 +5641,10 @@
               <a:buChar char="Ø"/>
             </a:pPr>
             <a:r>
-              <a:rPr lang="en-IN" sz="2400" b="1" dirty="0" smtClean="0"/>
+              <a:rPr lang="en-IN" sz="2400" b="1" dirty="0"/>
               <a:t>Confirmation Email</a:t>
             </a:r>
-            <a:endParaRPr lang="en-IN" sz="2000" b="1" dirty="0" smtClean="0"/>
+            <a:endParaRPr lang="en-IN" sz="2000" b="1" dirty="0"/>
           </a:p>
           <a:p>
             <a:pPr lvl="1" algn="just">
@@ -6056,26 +5652,9 @@
               <a:buChar char="o"/>
             </a:pPr>
             <a:r>
-              <a:rPr lang="en-IN" sz="2000" dirty="0" smtClean="0"/>
-              <a:t>Parameters</a:t>
-            </a:r>
-            <a:r>
               <a:rPr lang="en-IN" sz="2000" dirty="0"/>
-              <a:t>: </a:t>
-            </a:r>
-            <a:r>
-              <a:rPr lang="en-IN" sz="2000" dirty="0" smtClean="0"/>
-              <a:t>user </a:t>
-            </a:r>
-            <a:r>
-              <a:rPr lang="en-IN" sz="2000" dirty="0"/>
-              <a:t>email, car details, booking </a:t>
-            </a:r>
-            <a:r>
-              <a:rPr lang="en-IN" sz="2000" dirty="0" smtClean="0"/>
-              <a:t>details</a:t>
-            </a:r>
-            <a:endParaRPr lang="en-IN" sz="2000" dirty="0"/>
+              <a:t>Parameters: user email, car details, booking details</a:t>
+            </a:r>
           </a:p>
           <a:p>
             <a:pPr lvl="1" algn="just">
@@ -6084,36 +5663,15 @@
             </a:pPr>
             <a:r>
               <a:rPr lang="en-IN" sz="2000" dirty="0"/>
-              <a:t>Description: </a:t>
-            </a:r>
-            <a:r>
-              <a:rPr lang="en-IN" sz="2000" dirty="0" smtClean="0"/>
-              <a:t>When </a:t>
-            </a:r>
-            <a:r>
-              <a:rPr lang="en-IN" sz="2000" dirty="0"/>
-              <a:t>user booked car  email will be send and when new </a:t>
-            </a:r>
-            <a:r>
-              <a:rPr lang="en-IN" sz="2000" dirty="0" smtClean="0"/>
-              <a:t>user </a:t>
-            </a:r>
-            <a:r>
-              <a:rPr lang="en-IN" sz="2000" dirty="0"/>
-              <a:t>has </a:t>
-            </a:r>
-            <a:r>
-              <a:rPr lang="en-IN" sz="2000" dirty="0" smtClean="0"/>
-              <a:t>register.</a:t>
-            </a:r>
-            <a:endParaRPr lang="en-IN" sz="2000" dirty="0" smtClean="0"/>
+              <a:t>Description: When user booked car  email will be send and when new user has register.</a:t>
+            </a:r>
           </a:p>
           <a:p>
             <a:pPr algn="just">
               <a:buFont typeface="Wingdings" panose="05000000000000000000" pitchFamily="2" charset="2"/>
               <a:buChar char="Ø"/>
             </a:pPr>
-            <a:endParaRPr lang="en-IN" sz="2400" dirty="0" smtClean="0"/>
+            <a:endParaRPr lang="en-IN" sz="2400" dirty="0"/>
           </a:p>
         </p:txBody>
       </p:sp>
@@ -6127,13 +5685,6 @@
   <p:clrMapOvr>
     <a:masterClrMapping/>
   </p:clrMapOvr>
-  <p:timing>
-    <p:tnLst>
-      <p:par>
-        <p:cTn id="1" dur="indefinite" restart="never" nodeType="tmRoot"/>
-      </p:par>
-    </p:tnLst>
-  </p:timing>
 </p:sld>
 </file>
 
@@ -6175,14 +5726,9 @@
           <a:lstStyle/>
           <a:p>
             <a:r>
-              <a:rPr lang="en-IN" sz="4800" dirty="0" smtClean="0"/>
-              <a:t>Main Functions for Admin</a:t>
-            </a:r>
-            <a:r>
-              <a:rPr lang="en-IN" sz="4800" dirty="0" smtClean="0"/>
-              <a:t>  </a:t>
-            </a:r>
-            <a:endParaRPr lang="en-IN" sz="4800" dirty="0"/>
+              <a:rPr lang="en-IN" sz="4800" dirty="0"/>
+              <a:t>Main Functions for Admin  </a:t>
+            </a:r>
           </a:p>
         </p:txBody>
       </p:sp>
@@ -6213,10 +5759,9 @@
               <a:buChar char="Ø"/>
             </a:pPr>
             <a:r>
-              <a:rPr lang="en-IN" b="1" dirty="0" smtClean="0"/>
+              <a:rPr lang="en-IN" b="1" dirty="0"/>
               <a:t>Booking Completion</a:t>
             </a:r>
-            <a:endParaRPr lang="en-IN" b="1" dirty="0"/>
           </a:p>
           <a:p>
             <a:pPr marL="723900" indent="-273050" algn="just">
@@ -6224,26 +5769,9 @@
               <a:buChar char="o"/>
             </a:pPr>
             <a:r>
-              <a:rPr lang="en-IN" sz="2400" dirty="0" smtClean="0"/>
-              <a:t>Parameters</a:t>
-            </a:r>
-            <a:r>
               <a:rPr lang="en-IN" sz="2400" dirty="0"/>
-              <a:t>: </a:t>
-            </a:r>
-            <a:r>
-              <a:rPr lang="en-IN" sz="2400" dirty="0" smtClean="0"/>
-              <a:t>user </a:t>
-            </a:r>
-            <a:r>
-              <a:rPr lang="en-IN" sz="2400" dirty="0"/>
-              <a:t>id, car id, booking </a:t>
-            </a:r>
-            <a:r>
-              <a:rPr lang="en-IN" sz="2400" dirty="0" smtClean="0"/>
-              <a:t>id</a:t>
-            </a:r>
-            <a:endParaRPr lang="en-IN" sz="2400" dirty="0"/>
+              <a:t>Parameters: user id, car id, booking id</a:t>
+            </a:r>
           </a:p>
           <a:p>
             <a:pPr marL="725488" indent="-274638" algn="just">
@@ -6251,24 +5779,8 @@
               <a:buChar char="o"/>
             </a:pPr>
             <a:r>
-              <a:rPr lang="en-IN" sz="2400" dirty="0" smtClean="0"/>
-              <a:t>Description: User is </a:t>
-            </a:r>
-            <a:r>
               <a:rPr lang="en-IN" sz="2400" dirty="0"/>
-              <a:t>authenticated </a:t>
-            </a:r>
-            <a:r>
-              <a:rPr lang="en-IN" sz="2400" dirty="0" smtClean="0"/>
-              <a:t>and then </a:t>
-            </a:r>
-            <a:r>
-              <a:rPr lang="en-IN" sz="2400" dirty="0"/>
-              <a:t>logged in</a:t>
-            </a:r>
-            <a:r>
-              <a:rPr lang="en-IN" sz="2400" dirty="0" smtClean="0"/>
-              <a:t>.</a:t>
+              <a:t>Description: User is authenticated and then logged in.</a:t>
             </a:r>
           </a:p>
           <a:p>
@@ -6277,7 +5789,7 @@
               <a:buChar char="Ø"/>
             </a:pPr>
             <a:r>
-              <a:rPr lang="en-IN" b="1" dirty="0" smtClean="0"/>
+              <a:rPr lang="en-IN" b="1" dirty="0"/>
               <a:t>Add Car</a:t>
             </a:r>
           </a:p>
@@ -6287,18 +5799,9 @@
               <a:buChar char="o"/>
             </a:pPr>
             <a:r>
-              <a:rPr lang="en-IN" dirty="0" smtClean="0"/>
-              <a:t>Parameters</a:t>
-            </a:r>
-            <a:r>
               <a:rPr lang="en-IN" dirty="0"/>
-              <a:t>: </a:t>
-            </a:r>
-            <a:r>
-              <a:rPr lang="en-IN" dirty="0" smtClean="0"/>
-              <a:t>car data</a:t>
-            </a:r>
-            <a:endParaRPr lang="en-IN" dirty="0"/>
+              <a:t>Parameters: car data</a:t>
+            </a:r>
           </a:p>
           <a:p>
             <a:pPr lvl="1" algn="just">
@@ -6306,25 +5809,16 @@
               <a:buChar char="o"/>
             </a:pPr>
             <a:r>
-              <a:rPr lang="en-IN" dirty="0" smtClean="0"/>
-              <a:t>Description</a:t>
-            </a:r>
-            <a:r>
               <a:rPr lang="en-IN" dirty="0"/>
-              <a:t>: </a:t>
-            </a:r>
-            <a:r>
-              <a:rPr lang="en-IN" dirty="0" smtClean="0"/>
-              <a:t>Car Details gets added to the Car Database.</a:t>
-            </a:r>
-            <a:endParaRPr lang="en-IN" dirty="0" smtClean="0"/>
+              <a:t>Description: Car Details gets added to the Car Database.</a:t>
+            </a:r>
           </a:p>
           <a:p>
             <a:pPr algn="just">
               <a:buFont typeface="Wingdings" panose="05000000000000000000" pitchFamily="2" charset="2"/>
               <a:buChar char="Ø"/>
             </a:pPr>
-            <a:endParaRPr lang="en-IN" sz="2400" dirty="0" smtClean="0"/>
+            <a:endParaRPr lang="en-IN" sz="2400" dirty="0"/>
           </a:p>
         </p:txBody>
       </p:sp>
@@ -6338,13 +5832,6 @@
   <p:clrMapOvr>
     <a:masterClrMapping/>
   </p:clrMapOvr>
-  <p:timing>
-    <p:tnLst>
-      <p:par>
-        <p:cTn id="1" dur="indefinite" restart="never" nodeType="tmRoot"/>
-      </p:par>
-    </p:tnLst>
-  </p:timing>
 </p:sld>
 </file>
 
@@ -6386,10 +5873,9 @@
           <a:lstStyle/>
           <a:p>
             <a:r>
-              <a:rPr lang="en-IN" sz="4800" dirty="0" smtClean="0"/>
+              <a:rPr lang="en-IN" sz="4800" dirty="0"/>
               <a:t>Design View of Website  </a:t>
             </a:r>
-            <a:endParaRPr lang="en-IN" sz="4800" dirty="0"/>
           </a:p>
         </p:txBody>
       </p:sp>
@@ -6444,13 +5930,6 @@
   <p:clrMapOvr>
     <a:masterClrMapping/>
   </p:clrMapOvr>
-  <p:timing>
-    <p:tnLst>
-      <p:par>
-        <p:cTn id="1" dur="indefinite" restart="never" nodeType="tmRoot"/>
-      </p:par>
-    </p:tnLst>
-  </p:timing>
 </p:sld>
 </file>
 
@@ -6576,20 +6055,13 @@
   <p:clrMapOvr>
     <a:masterClrMapping/>
   </p:clrMapOvr>
-  <p:timing>
-    <p:tnLst>
-      <p:par>
-        <p:cTn id="1" dur="indefinite" restart="never" nodeType="tmRoot"/>
-      </p:par>
-    </p:tnLst>
-  </p:timing>
 </p:sld>
 </file>
 
 <file path=ppt/theme/theme1.xml><?xml version="1.0" encoding="utf-8"?>
 <a:theme xmlns:a="http://schemas.openxmlformats.org/drawingml/2006/main" name="Office Theme">
   <a:themeElements>
-    <a:clrScheme name="Powerpoint Templets">
+    <a:clrScheme name="Office">
       <a:dk1>
         <a:sysClr val="windowText" lastClr="000000"/>
       </a:dk1>
@@ -6597,34 +6069,34 @@
         <a:sysClr val="window" lastClr="FFFFFF"/>
       </a:lt1>
       <a:dk2>
-        <a:srgbClr val="C00000"/>
+        <a:srgbClr val="44546A"/>
       </a:dk2>
       <a:lt2>
-        <a:srgbClr val="148A1A"/>
+        <a:srgbClr val="E7E6E6"/>
       </a:lt2>
       <a:accent1>
-        <a:srgbClr val="FF0000"/>
+        <a:srgbClr val="4472C4"/>
       </a:accent1>
       <a:accent2>
-        <a:srgbClr val="FABE00"/>
+        <a:srgbClr val="ED7D31"/>
       </a:accent2>
       <a:accent3>
-        <a:srgbClr val="17365D"/>
+        <a:srgbClr val="A5A5A5"/>
       </a:accent3>
       <a:accent4>
-        <a:srgbClr val="00DBF2"/>
+        <a:srgbClr val="FFC000"/>
       </a:accent4>
       <a:accent5>
-        <a:srgbClr val="4BACC6"/>
+        <a:srgbClr val="5B9BD5"/>
       </a:accent5>
       <a:accent6>
-        <a:srgbClr val="F79646"/>
+        <a:srgbClr val="70AD47"/>
       </a:accent6>
       <a:hlink>
-        <a:srgbClr val="0000FF"/>
+        <a:srgbClr val="0563C1"/>
       </a:hlink>
       <a:folHlink>
-        <a:srgbClr val="800080"/>
+        <a:srgbClr val="954F72"/>
       </a:folHlink>
     </a:clrScheme>
     <a:fontScheme name="Powerpoint Templets">
